--- a/multibuild/v1.2eng/assets/consent/consent.pptx
+++ b/multibuild/v1.2eng/assets/consent/consent.pptx
@@ -246,7 +246,7 @@
           <a:p>
             <a:fld id="{7252F9F5-477A-4B20-84CE-30B0810F8384}" type="datetimeFigureOut">
               <a:rPr lang="he-IL" smtClean="0"/>
-              <a:t>כ"ט/כסלו/תשפ"ג</a:t>
+              <a:t>ב'/טבת/תשפ"ג</a:t>
             </a:fld>
             <a:endParaRPr lang="he-IL"/>
           </a:p>
@@ -416,7 +416,7 @@
           <a:p>
             <a:fld id="{7252F9F5-477A-4B20-84CE-30B0810F8384}" type="datetimeFigureOut">
               <a:rPr lang="he-IL" smtClean="0"/>
-              <a:t>כ"ט/כסלו/תשפ"ג</a:t>
+              <a:t>ב'/טבת/תשפ"ג</a:t>
             </a:fld>
             <a:endParaRPr lang="he-IL"/>
           </a:p>
@@ -596,7 +596,7 @@
           <a:p>
             <a:fld id="{7252F9F5-477A-4B20-84CE-30B0810F8384}" type="datetimeFigureOut">
               <a:rPr lang="he-IL" smtClean="0"/>
-              <a:t>כ"ט/כסלו/תשפ"ג</a:t>
+              <a:t>ב'/טבת/תשפ"ג</a:t>
             </a:fld>
             <a:endParaRPr lang="he-IL"/>
           </a:p>
@@ -766,7 +766,7 @@
           <a:p>
             <a:fld id="{7252F9F5-477A-4B20-84CE-30B0810F8384}" type="datetimeFigureOut">
               <a:rPr lang="he-IL" smtClean="0"/>
-              <a:t>כ"ט/כסלו/תשפ"ג</a:t>
+              <a:t>ב'/טבת/תשפ"ג</a:t>
             </a:fld>
             <a:endParaRPr lang="he-IL"/>
           </a:p>
@@ -1012,7 +1012,7 @@
           <a:p>
             <a:fld id="{7252F9F5-477A-4B20-84CE-30B0810F8384}" type="datetimeFigureOut">
               <a:rPr lang="he-IL" smtClean="0"/>
-              <a:t>כ"ט/כסלו/תשפ"ג</a:t>
+              <a:t>ב'/טבת/תשפ"ג</a:t>
             </a:fld>
             <a:endParaRPr lang="he-IL"/>
           </a:p>
@@ -1244,7 +1244,7 @@
           <a:p>
             <a:fld id="{7252F9F5-477A-4B20-84CE-30B0810F8384}" type="datetimeFigureOut">
               <a:rPr lang="he-IL" smtClean="0"/>
-              <a:t>כ"ט/כסלו/תשפ"ג</a:t>
+              <a:t>ב'/טבת/תשפ"ג</a:t>
             </a:fld>
             <a:endParaRPr lang="he-IL"/>
           </a:p>
@@ -1611,7 +1611,7 @@
           <a:p>
             <a:fld id="{7252F9F5-477A-4B20-84CE-30B0810F8384}" type="datetimeFigureOut">
               <a:rPr lang="he-IL" smtClean="0"/>
-              <a:t>כ"ט/כסלו/תשפ"ג</a:t>
+              <a:t>ב'/טבת/תשפ"ג</a:t>
             </a:fld>
             <a:endParaRPr lang="he-IL"/>
           </a:p>
@@ -1729,7 +1729,7 @@
           <a:p>
             <a:fld id="{7252F9F5-477A-4B20-84CE-30B0810F8384}" type="datetimeFigureOut">
               <a:rPr lang="he-IL" smtClean="0"/>
-              <a:t>כ"ט/כסלו/תשפ"ג</a:t>
+              <a:t>ב'/טבת/תשפ"ג</a:t>
             </a:fld>
             <a:endParaRPr lang="he-IL"/>
           </a:p>
@@ -1824,7 +1824,7 @@
           <a:p>
             <a:fld id="{7252F9F5-477A-4B20-84CE-30B0810F8384}" type="datetimeFigureOut">
               <a:rPr lang="he-IL" smtClean="0"/>
-              <a:t>כ"ט/כסלו/תשפ"ג</a:t>
+              <a:t>ב'/טבת/תשפ"ג</a:t>
             </a:fld>
             <a:endParaRPr lang="he-IL"/>
           </a:p>
@@ -2101,7 +2101,7 @@
           <a:p>
             <a:fld id="{7252F9F5-477A-4B20-84CE-30B0810F8384}" type="datetimeFigureOut">
               <a:rPr lang="he-IL" smtClean="0"/>
-              <a:t>כ"ט/כסלו/תשפ"ג</a:t>
+              <a:t>ב'/טבת/תשפ"ג</a:t>
             </a:fld>
             <a:endParaRPr lang="he-IL"/>
           </a:p>
@@ -2354,7 +2354,7 @@
           <a:p>
             <a:fld id="{7252F9F5-477A-4B20-84CE-30B0810F8384}" type="datetimeFigureOut">
               <a:rPr lang="he-IL" smtClean="0"/>
-              <a:t>כ"ט/כסלו/תשפ"ג</a:t>
+              <a:t>ב'/טבת/תשפ"ג</a:t>
             </a:fld>
             <a:endParaRPr lang="he-IL"/>
           </a:p>
@@ -2567,7 +2567,7 @@
           <a:p>
             <a:fld id="{7252F9F5-477A-4B20-84CE-30B0810F8384}" type="datetimeFigureOut">
               <a:rPr lang="he-IL" smtClean="0"/>
-              <a:t>כ"ט/כסלו/תשפ"ג</a:t>
+              <a:t>ב'/טבת/תשפ"ג</a:t>
             </a:fld>
             <a:endParaRPr lang="he-IL"/>
           </a:p>
@@ -3606,18 +3606,7 @@
                 <a:latin typeface="Arial" panose="020B0604020202020204" pitchFamily="34" charset="0"/>
                 <a:ea typeface="Calibri" panose="020F0502020204030204" pitchFamily="34" charset="0"/>
               </a:rPr>
-              <a:t>The rating is very simple, by moving a slider with your computer mouse. We will ask you for some basic details regarding your age, gender, birthdate and prior education and experience but we will not ask for any identifying or personal </a:t>
-            </a:r>
-            <a:r>
-              <a:rPr lang="en-US" sz="2400">
-                <a:solidFill>
-                  <a:schemeClr val="bg1"/>
-                </a:solidFill>
-                <a:effectLst/>
-                <a:latin typeface="Arial" panose="020B0604020202020204" pitchFamily="34" charset="0"/>
-                <a:ea typeface="Calibri" panose="020F0502020204030204" pitchFamily="34" charset="0"/>
-              </a:rPr>
-              <a:t>information.</a:t>
+              <a:t>The rating is very simple, by moving a slider with your computer mouse. We will ask you for some basic details regarding your age, gender, birthdate and prior education and experience but we will not ask for any identifying or personal information.</a:t>
             </a:r>
           </a:p>
           <a:p>
@@ -3679,7 +3668,7 @@
                 <a:ea typeface="Calibri" panose="020F0502020204030204" pitchFamily="34" charset="0"/>
                 <a:cs typeface="Arial" panose="020B0604020202020204" pitchFamily="34" charset="0"/>
               </a:rPr>
-              <a:t>The expected duration to complete the experiment is about 15 minutes. The movie may include nudity/addictive substance use/violence. All the movies in the experiment are rated PG-13.</a:t>
+              <a:t>The expected duration to complete the experiment is about 30 minutes. The movie may include nudity/addictive substance use/violence. All the movies in the experiment are rated PG-13.</a:t>
             </a:r>
             <a:endParaRPr lang="en-IL" sz="2400" dirty="0">
               <a:solidFill>
